--- a/figure/figure.pptx
+++ b/figure/figure.pptx
@@ -8,6 +8,7 @@
     <p:sldId id="256" r:id="rId2"/>
     <p:sldId id="265" r:id="rId3"/>
     <p:sldId id="276" r:id="rId4"/>
+    <p:sldId id="277" r:id="rId5"/>
   </p:sldIdLst>
   <p:sldSz cx="9144000" cy="6858000" type="screen4x3"/>
   <p:notesSz cx="9144000" cy="6858000"/>
@@ -137,6 +138,60 @@
     </p:ext>
   </p:extLst>
 </p:presentation>
+</file>
+
+<file path=ppt/ink/ink1.xml><?xml version="1.0" encoding="utf-8"?>
+<inkml:ink xmlns:inkml="http://www.w3.org/2003/InkML">
+  <inkml:definitions>
+    <inkml:context xml:id="ctx0">
+      <inkml:inkSource xml:id="inkSrc0">
+        <inkml:traceFormat>
+          <inkml:channel name="X" type="integer" min="-2.14748E9" max="2.14748E9" units="cm"/>
+          <inkml:channel name="Y" type="integer" min="-2.14748E9" max="2.14748E9" units="cm"/>
+          <inkml:channel name="F" type="integer" max="32767" units="dev"/>
+        </inkml:traceFormat>
+        <inkml:channelProperties>
+          <inkml:channelProperty channel="X" name="resolution" value="1000" units="1/cm"/>
+          <inkml:channelProperty channel="Y" name="resolution" value="1000" units="1/cm"/>
+          <inkml:channelProperty channel="F" name="resolution" value="0" units="1/dev"/>
+        </inkml:channelProperties>
+      </inkml:inkSource>
+      <inkml:timestamp xml:id="ts0" timeString="2022-10-16T04:45:22.899"/>
+    </inkml:context>
+    <inkml:brush xml:id="br0">
+      <inkml:brushProperty name="width" value="0.08571" units="cm"/>
+      <inkml:brushProperty name="height" value="0.08571" units="cm"/>
+    </inkml:brush>
+  </inkml:definitions>
+  <inkml:trace contextRef="#ctx0" brushRef="#br0">2099 0 7505,'-8'0'-175,"-1"0"217,0 0 1,1 0-107,-1 0 1,5 0-29,-5 0 1,5 0 99,-5 0 108,7 0-4,-10 0-59,11 0 0,-6 0-46,2 0 1,4 1 220,-3 4-186,-4-4 0,6 5 50,-7-6-94,6 0 1,-7 1 94,6 4-167,-6-4 0,3 9 67,-6-6 1,4 2-94,1-2 0,3-1 60,-3 6 1,-1-6-12,-4 1 0,0 2 50,1-2 1,-3 5-19,-2-5 0,1 4 17,-5-3 1,-1 3 3,-3-3 0,-1 3 5,0-4 0,-5 5 1,-4-5 0,-2 5 5,-1-5 1,-1 5-60,0-5 1,-1 2-6,-3-2 0,-1-2 67,-3 2-28,2 3 2,1-6 0,-2 5 96,-5-6-96,-1 0 3,1 0 0,-5 0 78,0 0 0,-1-1-75,1-4 250,3 4-235,-4-5 1,7 6 19,3 0 0,-8 0 10,4 0 0,-2 0 166,6 0 0,4 2-95,8 2 0,-5-1-167,6 5 1,4-5 72,9 2 1,1 0-26,-2 0 1,-1 3-11,6-4 1,0 2-16,4-1 1,0-4-59,0 3-324,0 3 106,6-5-47,1 4 0,8-6 67,2 0 0,3 0-70,6 0 358,6 0 0,1-6 0,6-1 0</inkml:trace>
+</inkml:ink>
+</file>
+
+<file path=ppt/ink/ink2.xml><?xml version="1.0" encoding="utf-8"?>
+<inkml:ink xmlns:inkml="http://www.w3.org/2003/InkML">
+  <inkml:definitions>
+    <inkml:context xml:id="ctx0">
+      <inkml:inkSource xml:id="inkSrc0">
+        <inkml:traceFormat>
+          <inkml:channel name="X" type="integer" min="-2.14748E9" max="2.14748E9" units="cm"/>
+          <inkml:channel name="Y" type="integer" min="-2.14748E9" max="2.14748E9" units="cm"/>
+          <inkml:channel name="F" type="integer" max="32767" units="dev"/>
+        </inkml:traceFormat>
+        <inkml:channelProperties>
+          <inkml:channelProperty channel="X" name="resolution" value="1000" units="1/cm"/>
+          <inkml:channelProperty channel="Y" name="resolution" value="1000" units="1/cm"/>
+          <inkml:channelProperty channel="F" name="resolution" value="0" units="1/dev"/>
+        </inkml:channelProperties>
+      </inkml:inkSource>
+      <inkml:timestamp xml:id="ts0" timeString="2022-10-16T04:45:23.308"/>
+    </inkml:context>
+    <inkml:brush xml:id="br0">
+      <inkml:brushProperty name="width" value="0.08571" units="cm"/>
+      <inkml:brushProperty name="height" value="0.08571" units="cm"/>
+    </inkml:brush>
+  </inkml:definitions>
+  <inkml:trace contextRef="#ctx0" brushRef="#br0">129 52 7962,'-26'-6'0,"0"-1"0,1-6-294,4 0 168,3 6 76,11 1 0,1 7-316,6 4 185,0-4 0,1 9-12,4-6 0,2 5 115,6-5 78,0 6 0,11-8 0,3 4 0</inkml:trace>
+</inkml:ink>
 </file>
 
 <file path=ppt/slideLayouts/slideLayout1.xml><?xml version="1.0" encoding="utf-8"?>
@@ -3086,8 +3141,8 @@
           </a:p>
         </p:txBody>
       </p:sp>
-      <mc:AlternateContent xmlns:mc="http://schemas.openxmlformats.org/markup-compatibility/2006">
-        <mc:Choice xmlns:a14="http://schemas.microsoft.com/office/drawing/2010/main" Requires="a14">
+      <mc:AlternateContent xmlns:mc="http://schemas.openxmlformats.org/markup-compatibility/2006" xmlns:a14="http://schemas.microsoft.com/office/drawing/2010/main">
+        <mc:Choice Requires="a14">
           <p:graphicFrame>
             <p:nvGraphicFramePr>
               <p:cNvPr id="11" name="Table 11">
@@ -4719,7 +4774,7 @@
             </a:graphic>
           </p:graphicFrame>
         </mc:Choice>
-        <mc:Fallback>
+        <mc:Fallback xmlns="">
           <p:graphicFrame>
             <p:nvGraphicFramePr>
               <p:cNvPr id="11" name="Table 11">
@@ -5697,6 +5752,215 @@
     <p:extLst>
       <p:ext uri="{BB962C8B-B14F-4D97-AF65-F5344CB8AC3E}">
         <p14:creationId xmlns:p14="http://schemas.microsoft.com/office/powerpoint/2010/main" val="1106179789"/>
+      </p:ext>
+    </p:extLst>
+  </p:cSld>
+  <p:clrMapOvr>
+    <a:masterClrMapping/>
+  </p:clrMapOvr>
+</p:sld>
+</file>
+
+<file path=ppt/slides/slide4.xml><?xml version="1.0" encoding="utf-8"?>
+<p:sld xmlns:a="http://schemas.openxmlformats.org/drawingml/2006/main" xmlns:r="http://schemas.openxmlformats.org/officeDocument/2006/relationships" xmlns:p="http://schemas.openxmlformats.org/presentationml/2006/main">
+  <p:cSld>
+    <p:spTree>
+      <p:nvGrpSpPr>
+        <p:cNvPr id="1" name=""/>
+        <p:cNvGrpSpPr/>
+        <p:nvPr/>
+      </p:nvGrpSpPr>
+      <p:grpSpPr>
+        <a:xfrm>
+          <a:off x="0" y="0"/>
+          <a:ext cx="0" cy="0"/>
+          <a:chOff x="0" y="0"/>
+          <a:chExt cx="0" cy="0"/>
+        </a:xfrm>
+      </p:grpSpPr>
+      <p:sp>
+        <p:nvSpPr>
+          <p:cNvPr id="3" name="スライド番号プレースホルダー 2">
+            <a:extLst>
+              <a:ext uri="{FF2B5EF4-FFF2-40B4-BE49-F238E27FC236}">
+                <a16:creationId xmlns:a16="http://schemas.microsoft.com/office/drawing/2014/main" id="{64758A1F-17ED-C261-9065-47A672B1BD46}"/>
+              </a:ext>
+            </a:extLst>
+          </p:cNvPr>
+          <p:cNvSpPr>
+            <a:spLocks noGrp="1"/>
+          </p:cNvSpPr>
+          <p:nvPr>
+            <p:ph type="sldNum" sz="quarter" idx="12"/>
+          </p:nvPr>
+        </p:nvSpPr>
+        <p:spPr/>
+        <p:txBody>
+          <a:bodyPr/>
+          <a:lstStyle/>
+          <a:p>
+            <a:fld id="{3CEA307D-3EF5-ED4E-AF1E-33BFD9855C70}" type="slidenum">
+              <a:rPr lang="ja-JP" altLang="en-US" smtClean="0"/>
+              <a:pPr/>
+              <a:t>4</a:t>
+            </a:fld>
+            <a:endParaRPr lang="ja-JP" altLang="en-US"/>
+          </a:p>
+        </p:txBody>
+      </p:sp>
+      <p:cxnSp>
+        <p:nvCxnSpPr>
+          <p:cNvPr id="7" name="直線矢印コネクタ 6">
+            <a:extLst>
+              <a:ext uri="{FF2B5EF4-FFF2-40B4-BE49-F238E27FC236}">
+                <a16:creationId xmlns:a16="http://schemas.microsoft.com/office/drawing/2014/main" id="{F88882A5-CF77-B779-BA1D-2A0856051397}"/>
+              </a:ext>
+            </a:extLst>
+          </p:cNvPr>
+          <p:cNvCxnSpPr/>
+          <p:nvPr/>
+        </p:nvCxnSpPr>
+        <p:spPr>
+          <a:xfrm>
+            <a:off x="3660381" y="2515527"/>
+            <a:ext cx="1828800" cy="1828800"/>
+          </a:xfrm>
+          <a:prstGeom prst="straightConnector1">
+            <a:avLst/>
+          </a:prstGeom>
+          <a:ln w="12700" cmpd="sng">
+            <a:headEnd type="triangle"/>
+            <a:tailEnd type="triangle"/>
+          </a:ln>
+          <a:effectLst>
+            <a:innerShdw blurRad="63500" dist="50800" dir="18900000">
+              <a:prstClr val="black">
+                <a:alpha val="50000"/>
+              </a:prstClr>
+            </a:innerShdw>
+          </a:effectLst>
+        </p:spPr>
+        <p:style>
+          <a:lnRef idx="1">
+            <a:schemeClr val="dk1"/>
+          </a:lnRef>
+          <a:fillRef idx="0">
+            <a:schemeClr val="dk1"/>
+          </a:fillRef>
+          <a:effectRef idx="0">
+            <a:schemeClr val="dk1"/>
+          </a:effectRef>
+          <a:fontRef idx="minor">
+            <a:schemeClr val="tx1"/>
+          </a:fontRef>
+        </p:style>
+      </p:cxnSp>
+      <mc:AlternateContent xmlns:mc="http://schemas.openxmlformats.org/markup-compatibility/2006">
+        <mc:Choice xmlns:p14="http://schemas.microsoft.com/office/powerpoint/2010/main" Requires="p14">
+          <p:contentPart p14:bwMode="auto" r:id="rId2">
+            <p14:nvContentPartPr>
+              <p14:cNvPr id="8" name="インク 7">
+                <a:extLst>
+                  <a:ext uri="{FF2B5EF4-FFF2-40B4-BE49-F238E27FC236}">
+                    <a16:creationId xmlns:a16="http://schemas.microsoft.com/office/drawing/2014/main" id="{FAF04EFB-31D5-535E-2518-47CEB60820AA}"/>
+                  </a:ext>
+                </a:extLst>
+              </p14:cNvPr>
+              <p14:cNvContentPartPr/>
+              <p14:nvPr/>
+            </p14:nvContentPartPr>
+            <p14:xfrm>
+              <a:off x="4080509" y="3642200"/>
+              <a:ext cx="756000" cy="93240"/>
+            </p14:xfrm>
+          </p:contentPart>
+        </mc:Choice>
+        <mc:Fallback>
+          <p:pic>
+            <p:nvPicPr>
+              <p:cNvPr id="8" name="インク 7">
+                <a:extLst>
+                  <a:ext uri="{FF2B5EF4-FFF2-40B4-BE49-F238E27FC236}">
+                    <a16:creationId xmlns:a16="http://schemas.microsoft.com/office/drawing/2014/main" id="{FAF04EFB-31D5-535E-2518-47CEB60820AA}"/>
+                  </a:ext>
+                </a:extLst>
+              </p:cNvPr>
+              <p:cNvPicPr/>
+              <p:nvPr/>
+            </p:nvPicPr>
+            <p:blipFill>
+              <a:blip r:embed="rId3"/>
+              <a:stretch>
+                <a:fillRect/>
+              </a:stretch>
+            </p:blipFill>
+            <p:spPr>
+              <a:xfrm>
+                <a:off x="4065389" y="3626720"/>
+                <a:ext cx="786240" cy="123480"/>
+              </a:xfrm>
+              <a:prstGeom prst="rect">
+                <a:avLst/>
+              </a:prstGeom>
+            </p:spPr>
+          </p:pic>
+        </mc:Fallback>
+      </mc:AlternateContent>
+      <mc:AlternateContent xmlns:mc="http://schemas.openxmlformats.org/markup-compatibility/2006">
+        <mc:Choice xmlns:p14="http://schemas.microsoft.com/office/powerpoint/2010/main" Requires="p14">
+          <p:contentPart p14:bwMode="auto" r:id="rId4">
+            <p14:nvContentPartPr>
+              <p14:cNvPr id="9" name="インク 8">
+                <a:extLst>
+                  <a:ext uri="{FF2B5EF4-FFF2-40B4-BE49-F238E27FC236}">
+                    <a16:creationId xmlns:a16="http://schemas.microsoft.com/office/drawing/2014/main" id="{80903E69-FE48-8B9E-599E-9E12661CCE4F}"/>
+                  </a:ext>
+                </a:extLst>
+              </p14:cNvPr>
+              <p14:cNvContentPartPr/>
+              <p14:nvPr/>
+            </p14:nvContentPartPr>
+            <p14:xfrm>
+              <a:off x="4618349" y="3493880"/>
+              <a:ext cx="46800" cy="19080"/>
+            </p14:xfrm>
+          </p:contentPart>
+        </mc:Choice>
+        <mc:Fallback>
+          <p:pic>
+            <p:nvPicPr>
+              <p:cNvPr id="9" name="インク 8">
+                <a:extLst>
+                  <a:ext uri="{FF2B5EF4-FFF2-40B4-BE49-F238E27FC236}">
+                    <a16:creationId xmlns:a16="http://schemas.microsoft.com/office/drawing/2014/main" id="{80903E69-FE48-8B9E-599E-9E12661CCE4F}"/>
+                  </a:ext>
+                </a:extLst>
+              </p:cNvPr>
+              <p:cNvPicPr/>
+              <p:nvPr/>
+            </p:nvPicPr>
+            <p:blipFill>
+              <a:blip r:embed="rId5"/>
+              <a:stretch>
+                <a:fillRect/>
+              </a:stretch>
+            </p:blipFill>
+            <p:spPr>
+              <a:xfrm>
+                <a:off x="4602869" y="3478400"/>
+                <a:ext cx="77040" cy="49320"/>
+              </a:xfrm>
+              <a:prstGeom prst="rect">
+                <a:avLst/>
+              </a:prstGeom>
+            </p:spPr>
+          </p:pic>
+        </mc:Fallback>
+      </mc:AlternateContent>
+    </p:spTree>
+    <p:extLst>
+      <p:ext uri="{BB962C8B-B14F-4D97-AF65-F5344CB8AC3E}">
+        <p14:creationId xmlns:p14="http://schemas.microsoft.com/office/powerpoint/2010/main" val="4269834403"/>
       </p:ext>
     </p:extLst>
   </p:cSld>

--- a/figure/figure.pptx
+++ b/figure/figure.pptx
@@ -8,7 +8,6 @@
     <p:sldId id="256" r:id="rId2"/>
     <p:sldId id="265" r:id="rId3"/>
     <p:sldId id="276" r:id="rId4"/>
-    <p:sldId id="277" r:id="rId5"/>
   </p:sldIdLst>
   <p:sldSz cx="9144000" cy="6858000" type="screen4x3"/>
   <p:notesSz cx="9144000" cy="6858000"/>
@@ -138,60 +137,6 @@
     </p:ext>
   </p:extLst>
 </p:presentation>
-</file>
-
-<file path=ppt/ink/ink1.xml><?xml version="1.0" encoding="utf-8"?>
-<inkml:ink xmlns:inkml="http://www.w3.org/2003/InkML">
-  <inkml:definitions>
-    <inkml:context xml:id="ctx0">
-      <inkml:inkSource xml:id="inkSrc0">
-        <inkml:traceFormat>
-          <inkml:channel name="X" type="integer" min="-2.14748E9" max="2.14748E9" units="cm"/>
-          <inkml:channel name="Y" type="integer" min="-2.14748E9" max="2.14748E9" units="cm"/>
-          <inkml:channel name="F" type="integer" max="32767" units="dev"/>
-        </inkml:traceFormat>
-        <inkml:channelProperties>
-          <inkml:channelProperty channel="X" name="resolution" value="1000" units="1/cm"/>
-          <inkml:channelProperty channel="Y" name="resolution" value="1000" units="1/cm"/>
-          <inkml:channelProperty channel="F" name="resolution" value="0" units="1/dev"/>
-        </inkml:channelProperties>
-      </inkml:inkSource>
-      <inkml:timestamp xml:id="ts0" timeString="2022-10-16T04:45:22.899"/>
-    </inkml:context>
-    <inkml:brush xml:id="br0">
-      <inkml:brushProperty name="width" value="0.08571" units="cm"/>
-      <inkml:brushProperty name="height" value="0.08571" units="cm"/>
-    </inkml:brush>
-  </inkml:definitions>
-  <inkml:trace contextRef="#ctx0" brushRef="#br0">2099 0 7505,'-8'0'-175,"-1"0"217,0 0 1,1 0-107,-1 0 1,5 0-29,-5 0 1,5 0 99,-5 0 108,7 0-4,-10 0-59,11 0 0,-6 0-46,2 0 1,4 1 220,-3 4-186,-4-4 0,6 5 50,-7-6-94,6 0 1,-7 1 94,6 4-167,-6-4 0,3 9 67,-6-6 1,4 2-94,1-2 0,3-1 60,-3 6 1,-1-6-12,-4 1 0,0 2 50,1-2 1,-3 5-19,-2-5 0,1 4 17,-5-3 1,-1 3 3,-3-3 0,-1 3 5,0-4 0,-5 5 1,-4-5 0,-2 5 5,-1-5 1,-1 5-60,0-5 1,-1 2-6,-3-2 0,-1-2 67,-3 2-28,2 3 2,1-6 0,-2 5 96,-5-6-96,-1 0 3,1 0 0,-5 0 78,0 0 0,-1-1-75,1-4 250,3 4-235,-4-5 1,7 6 19,3 0 0,-8 0 10,4 0 0,-2 0 166,6 0 0,4 2-95,8 2 0,-5-1-167,6 5 1,4-5 72,9 2 1,1 0-26,-2 0 1,-1 3-11,6-4 1,0 2-16,4-1 1,0-4-59,0 3-324,0 3 106,6-5-47,1 4 0,8-6 67,2 0 0,3 0-70,6 0 358,6 0 0,1-6 0,6-1 0</inkml:trace>
-</inkml:ink>
-</file>
-
-<file path=ppt/ink/ink2.xml><?xml version="1.0" encoding="utf-8"?>
-<inkml:ink xmlns:inkml="http://www.w3.org/2003/InkML">
-  <inkml:definitions>
-    <inkml:context xml:id="ctx0">
-      <inkml:inkSource xml:id="inkSrc0">
-        <inkml:traceFormat>
-          <inkml:channel name="X" type="integer" min="-2.14748E9" max="2.14748E9" units="cm"/>
-          <inkml:channel name="Y" type="integer" min="-2.14748E9" max="2.14748E9" units="cm"/>
-          <inkml:channel name="F" type="integer" max="32767" units="dev"/>
-        </inkml:traceFormat>
-        <inkml:channelProperties>
-          <inkml:channelProperty channel="X" name="resolution" value="1000" units="1/cm"/>
-          <inkml:channelProperty channel="Y" name="resolution" value="1000" units="1/cm"/>
-          <inkml:channelProperty channel="F" name="resolution" value="0" units="1/dev"/>
-        </inkml:channelProperties>
-      </inkml:inkSource>
-      <inkml:timestamp xml:id="ts0" timeString="2022-10-16T04:45:23.308"/>
-    </inkml:context>
-    <inkml:brush xml:id="br0">
-      <inkml:brushProperty name="width" value="0.08571" units="cm"/>
-      <inkml:brushProperty name="height" value="0.08571" units="cm"/>
-    </inkml:brush>
-  </inkml:definitions>
-  <inkml:trace contextRef="#ctx0" brushRef="#br0">129 52 7962,'-26'-6'0,"0"-1"0,1-6-294,4 0 168,3 6 76,11 1 0,1 7-316,6 4 185,0-4 0,1 9-12,4-6 0,2 5 115,6-5 78,0 6 0,11-8 0,3 4 0</inkml:trace>
-</inkml:ink>
 </file>
 
 <file path=ppt/slideLayouts/slideLayout1.xml><?xml version="1.0" encoding="utf-8"?>
@@ -2912,7 +2857,7 @@
         </p:nvSpPr>
         <p:spPr>
           <a:xfrm>
-            <a:off x="1566853" y="1350500"/>
+            <a:off x="379188" y="313791"/>
             <a:ext cx="5274201" cy="400110"/>
           </a:xfrm>
           <a:prstGeom prst="rect">
@@ -2950,7 +2895,7 @@
         </p:nvSpPr>
         <p:spPr>
           <a:xfrm>
-            <a:off x="1618598" y="1750609"/>
+            <a:off x="430933" y="713900"/>
             <a:ext cx="471604" cy="307777"/>
           </a:xfrm>
           <a:prstGeom prst="rect">
@@ -2991,7 +2936,7 @@
         </p:nvSpPr>
         <p:spPr>
           <a:xfrm>
-            <a:off x="2257558" y="1750608"/>
+            <a:off x="1069893" y="713899"/>
             <a:ext cx="471604" cy="307777"/>
           </a:xfrm>
           <a:prstGeom prst="rect">
@@ -3032,7 +2977,7 @@
         </p:nvSpPr>
         <p:spPr>
           <a:xfrm>
-            <a:off x="3446541" y="1750608"/>
+            <a:off x="2258876" y="713899"/>
             <a:ext cx="471604" cy="307777"/>
           </a:xfrm>
           <a:prstGeom prst="rect">
@@ -3073,7 +3018,7 @@
         </p:nvSpPr>
         <p:spPr>
           <a:xfrm>
-            <a:off x="4893931" y="1750607"/>
+            <a:off x="3706266" y="713898"/>
             <a:ext cx="471604" cy="307777"/>
           </a:xfrm>
           <a:prstGeom prst="rect">
@@ -3114,7 +3059,7 @@
         </p:nvSpPr>
         <p:spPr>
           <a:xfrm>
-            <a:off x="5794049" y="1750606"/>
+            <a:off x="4606384" y="713897"/>
             <a:ext cx="471604" cy="307777"/>
           </a:xfrm>
           <a:prstGeom prst="rect">
@@ -3136,13 +3081,13 @@
                 </a:solidFill>
                 <a:cs typeface="Cambria"/>
               </a:rPr>
-              <a:t>3個</a:t>
+              <a:t>2個</a:t>
             </a:r>
           </a:p>
         </p:txBody>
       </p:sp>
-      <mc:AlternateContent xmlns:mc="http://schemas.openxmlformats.org/markup-compatibility/2006" xmlns:a14="http://schemas.microsoft.com/office/drawing/2010/main">
-        <mc:Choice Requires="a14">
+      <mc:AlternateContent xmlns:mc="http://schemas.openxmlformats.org/markup-compatibility/2006">
+        <mc:Choice xmlns:a14="http://schemas.microsoft.com/office/drawing/2010/main" Requires="a14">
           <p:graphicFrame>
             <p:nvGraphicFramePr>
               <p:cNvPr id="11" name="Table 11">
@@ -3158,13 +3103,13 @@
               <p:nvPr>
                 <p:extLst>
                   <p:ext uri="{D42A27DB-BD31-4B8C-83A1-F6EECF244321}">
-                    <p14:modId xmlns:p14="http://schemas.microsoft.com/office/powerpoint/2010/main" val="3403136901"/>
+                    <p14:modId xmlns:p14="http://schemas.microsoft.com/office/powerpoint/2010/main" val="1418235176"/>
                   </p:ext>
                 </p:extLst>
               </p:nvPr>
             </p:nvGraphicFramePr>
             <p:xfrm>
-              <a:off x="1928132" y="2511511"/>
+              <a:off x="379188" y="1329198"/>
               <a:ext cx="4551641" cy="2595880"/>
             </p:xfrm>
             <a:graphic>
@@ -4774,7 +4719,7 @@
             </a:graphic>
           </p:graphicFrame>
         </mc:Choice>
-        <mc:Fallback xmlns="">
+        <mc:Fallback>
           <p:graphicFrame>
             <p:nvGraphicFramePr>
               <p:cNvPr id="11" name="Table 11">
@@ -4790,13 +4735,13 @@
               <p:nvPr>
                 <p:extLst>
                   <p:ext uri="{D42A27DB-BD31-4B8C-83A1-F6EECF244321}">
-                    <p14:modId xmlns:p14="http://schemas.microsoft.com/office/powerpoint/2010/main" val="3403136901"/>
+                    <p14:modId xmlns:p14="http://schemas.microsoft.com/office/powerpoint/2010/main" val="1418235176"/>
                   </p:ext>
                 </p:extLst>
               </p:nvPr>
             </p:nvGraphicFramePr>
             <p:xfrm>
-              <a:off x="1928132" y="2511511"/>
+              <a:off x="379188" y="1329198"/>
               <a:ext cx="4551641" cy="2595880"/>
             </p:xfrm>
             <a:graphic>
@@ -5081,7 +5026,7 @@
                         <a:blipFill>
                           <a:blip r:embed="rId2"/>
                           <a:stretch>
-                            <a:fillRect t="-100000" r="-491803" b="-493333"/>
+                            <a:fillRect t="-96667" r="-491803" b="-493333"/>
                           </a:stretch>
                         </a:blipFill>
                       </a:tcPr>
@@ -5107,7 +5052,7 @@
                         <a:blipFill>
                           <a:blip r:embed="rId2"/>
                           <a:stretch>
-                            <a:fillRect l="-92424" t="-100000" r="-354545" b="-493333"/>
+                            <a:fillRect l="-92424" t="-96667" r="-354545" b="-493333"/>
                           </a:stretch>
                         </a:blipFill>
                       </a:tcPr>
@@ -5133,7 +5078,7 @@
                         <a:blipFill>
                           <a:blip r:embed="rId2"/>
                           <a:stretch>
-                            <a:fillRect l="-249020" t="-100000" r="-358824" b="-493333"/>
+                            <a:fillRect l="-249020" t="-96667" r="-358824" b="-493333"/>
                           </a:stretch>
                         </a:blipFill>
                       </a:tcPr>
@@ -5159,7 +5104,7 @@
                         <a:blipFill>
                           <a:blip r:embed="rId2"/>
                           <a:stretch>
-                            <a:fillRect l="-219753" t="-100000" r="-125926" b="-493333"/>
+                            <a:fillRect l="-219753" t="-96667" r="-125926" b="-493333"/>
                           </a:stretch>
                         </a:blipFill>
                       </a:tcPr>
@@ -5185,7 +5130,7 @@
                         <a:blipFill>
                           <a:blip r:embed="rId2"/>
                           <a:stretch>
-                            <a:fillRect l="-256436" t="-100000" r="-990" b="-493333"/>
+                            <a:fillRect l="-256436" t="-96667" r="-990" b="-493333"/>
                           </a:stretch>
                         </a:blipFill>
                       </a:tcPr>
@@ -5209,7 +5154,7 @@
                         <a:blipFill>
                           <a:blip r:embed="rId2"/>
                           <a:stretch>
-                            <a:fillRect t="-206897" r="-491803" b="-410345"/>
+                            <a:fillRect t="-203448" r="-491803" b="-410345"/>
                           </a:stretch>
                         </a:blipFill>
                       </a:tcPr>
@@ -5226,7 +5171,7 @@
                         <a:blipFill>
                           <a:blip r:embed="rId2"/>
                           <a:stretch>
-                            <a:fillRect l="-92424" t="-206897" r="-354545" b="-410345"/>
+                            <a:fillRect l="-92424" t="-203448" r="-354545" b="-410345"/>
                           </a:stretch>
                         </a:blipFill>
                       </a:tcPr>
@@ -5243,7 +5188,7 @@
                         <a:blipFill>
                           <a:blip r:embed="rId2"/>
                           <a:stretch>
-                            <a:fillRect l="-249020" t="-206897" r="-358824" b="-410345"/>
+                            <a:fillRect l="-249020" t="-203448" r="-358824" b="-410345"/>
                           </a:stretch>
                         </a:blipFill>
                       </a:tcPr>
@@ -5260,7 +5205,7 @@
                         <a:blipFill>
                           <a:blip r:embed="rId2"/>
                           <a:stretch>
-                            <a:fillRect l="-219753" t="-206897" r="-125926" b="-410345"/>
+                            <a:fillRect l="-219753" t="-203448" r="-125926" b="-410345"/>
                           </a:stretch>
                         </a:blipFill>
                       </a:tcPr>
@@ -5277,7 +5222,7 @@
                         <a:blipFill>
                           <a:blip r:embed="rId2"/>
                           <a:stretch>
-                            <a:fillRect l="-256436" t="-206897" r="-990" b="-410345"/>
+                            <a:fillRect l="-256436" t="-203448" r="-990" b="-410345"/>
                           </a:stretch>
                         </a:blipFill>
                       </a:tcPr>
@@ -5301,7 +5246,7 @@
                         <a:blipFill>
                           <a:blip r:embed="rId2"/>
                           <a:stretch>
-                            <a:fillRect t="-296667" r="-491803" b="-296667"/>
+                            <a:fillRect t="-293333" r="-491803" b="-296667"/>
                           </a:stretch>
                         </a:blipFill>
                       </a:tcPr>
@@ -5318,7 +5263,7 @@
                         <a:blipFill>
                           <a:blip r:embed="rId2"/>
                           <a:stretch>
-                            <a:fillRect l="-92424" t="-296667" r="-354545" b="-296667"/>
+                            <a:fillRect l="-92424" t="-293333" r="-354545" b="-296667"/>
                           </a:stretch>
                         </a:blipFill>
                       </a:tcPr>
@@ -5335,7 +5280,7 @@
                         <a:blipFill>
                           <a:blip r:embed="rId2"/>
                           <a:stretch>
-                            <a:fillRect l="-249020" t="-296667" r="-358824" b="-296667"/>
+                            <a:fillRect l="-249020" t="-293333" r="-358824" b="-296667"/>
                           </a:stretch>
                         </a:blipFill>
                       </a:tcPr>
@@ -5352,7 +5297,7 @@
                         <a:blipFill>
                           <a:blip r:embed="rId2"/>
                           <a:stretch>
-                            <a:fillRect l="-219753" t="-296667" r="-125926" b="-296667"/>
+                            <a:fillRect l="-219753" t="-293333" r="-125926" b="-296667"/>
                           </a:stretch>
                         </a:blipFill>
                       </a:tcPr>
@@ -5369,7 +5314,7 @@
                         <a:blipFill>
                           <a:blip r:embed="rId2"/>
                           <a:stretch>
-                            <a:fillRect l="-256436" t="-296667" r="-990" b="-296667"/>
+                            <a:fillRect l="-256436" t="-293333" r="-990" b="-296667"/>
                           </a:stretch>
                         </a:blipFill>
                       </a:tcPr>
@@ -5393,7 +5338,7 @@
                         <a:blipFill>
                           <a:blip r:embed="rId2"/>
                           <a:stretch>
-                            <a:fillRect t="-410345" r="-491803" b="-206897"/>
+                            <a:fillRect t="-406897" r="-491803" b="-206897"/>
                           </a:stretch>
                         </a:blipFill>
                       </a:tcPr>
@@ -5410,7 +5355,7 @@
                         <a:blipFill>
                           <a:blip r:embed="rId2"/>
                           <a:stretch>
-                            <a:fillRect l="-92424" t="-410345" r="-354545" b="-206897"/>
+                            <a:fillRect l="-92424" t="-406897" r="-354545" b="-206897"/>
                           </a:stretch>
                         </a:blipFill>
                       </a:tcPr>
@@ -5427,7 +5372,7 @@
                         <a:blipFill>
                           <a:blip r:embed="rId2"/>
                           <a:stretch>
-                            <a:fillRect l="-249020" t="-410345" r="-358824" b="-206897"/>
+                            <a:fillRect l="-249020" t="-406897" r="-358824" b="-206897"/>
                           </a:stretch>
                         </a:blipFill>
                       </a:tcPr>
@@ -5444,7 +5389,7 @@
                         <a:blipFill>
                           <a:blip r:embed="rId2"/>
                           <a:stretch>
-                            <a:fillRect l="-219753" t="-410345" r="-125926" b="-206897"/>
+                            <a:fillRect l="-219753" t="-406897" r="-125926" b="-206897"/>
                           </a:stretch>
                         </a:blipFill>
                       </a:tcPr>
@@ -5461,7 +5406,7 @@
                         <a:blipFill>
                           <a:blip r:embed="rId2"/>
                           <a:stretch>
-                            <a:fillRect l="-256436" t="-410345" r="-990" b="-206897"/>
+                            <a:fillRect l="-256436" t="-406897" r="-990" b="-206897"/>
                           </a:stretch>
                         </a:blipFill>
                       </a:tcPr>
@@ -5485,7 +5430,7 @@
                         <a:blipFill>
                           <a:blip r:embed="rId2"/>
                           <a:stretch>
-                            <a:fillRect t="-493333" r="-491803" b="-100000"/>
+                            <a:fillRect t="-490000" r="-491803" b="-100000"/>
                           </a:stretch>
                         </a:blipFill>
                       </a:tcPr>
@@ -5502,7 +5447,7 @@
                         <a:blipFill>
                           <a:blip r:embed="rId2"/>
                           <a:stretch>
-                            <a:fillRect l="-92424" t="-493333" r="-354545" b="-100000"/>
+                            <a:fillRect l="-92424" t="-490000" r="-354545" b="-100000"/>
                           </a:stretch>
                         </a:blipFill>
                       </a:tcPr>
@@ -5519,7 +5464,7 @@
                         <a:blipFill>
                           <a:blip r:embed="rId2"/>
                           <a:stretch>
-                            <a:fillRect l="-249020" t="-493333" r="-358824" b="-100000"/>
+                            <a:fillRect l="-249020" t="-490000" r="-358824" b="-100000"/>
                           </a:stretch>
                         </a:blipFill>
                       </a:tcPr>
@@ -5536,7 +5481,7 @@
                         <a:blipFill>
                           <a:blip r:embed="rId2"/>
                           <a:stretch>
-                            <a:fillRect l="-219753" t="-493333" r="-125926" b="-100000"/>
+                            <a:fillRect l="-219753" t="-490000" r="-125926" b="-100000"/>
                           </a:stretch>
                         </a:blipFill>
                       </a:tcPr>
@@ -5553,7 +5498,7 @@
                         <a:blipFill>
                           <a:blip r:embed="rId2"/>
                           <a:stretch>
-                            <a:fillRect l="-256436" t="-493333" r="-990" b="-100000"/>
+                            <a:fillRect l="-256436" t="-490000" r="-990" b="-100000"/>
                           </a:stretch>
                         </a:blipFill>
                       </a:tcPr>
@@ -5586,7 +5531,7 @@
                         <a:blipFill>
                           <a:blip r:embed="rId2"/>
                           <a:stretch>
-                            <a:fillRect t="-613793" r="-491803" b="-3448"/>
+                            <a:fillRect t="-610345" r="-491803" b="-3448"/>
                           </a:stretch>
                         </a:blipFill>
                       </a:tcPr>
@@ -5612,7 +5557,7 @@
                         <a:blipFill>
                           <a:blip r:embed="rId2"/>
                           <a:stretch>
-                            <a:fillRect l="-92424" t="-613793" r="-354545" b="-3448"/>
+                            <a:fillRect l="-92424" t="-610345" r="-354545" b="-3448"/>
                           </a:stretch>
                         </a:blipFill>
                       </a:tcPr>
@@ -5638,7 +5583,7 @@
                         <a:blipFill>
                           <a:blip r:embed="rId2"/>
                           <a:stretch>
-                            <a:fillRect l="-249020" t="-613793" r="-358824" b="-3448"/>
+                            <a:fillRect l="-249020" t="-610345" r="-358824" b="-3448"/>
                           </a:stretch>
                         </a:blipFill>
                       </a:tcPr>
@@ -5664,7 +5609,7 @@
                         <a:blipFill>
                           <a:blip r:embed="rId2"/>
                           <a:stretch>
-                            <a:fillRect l="-219753" t="-613793" r="-125926" b="-3448"/>
+                            <a:fillRect l="-219753" t="-610345" r="-125926" b="-3448"/>
                           </a:stretch>
                         </a:blipFill>
                       </a:tcPr>
@@ -5690,7 +5635,7 @@
                         <a:blipFill>
                           <a:blip r:embed="rId2"/>
                           <a:stretch>
-                            <a:fillRect l="-256436" t="-613793" r="-990" b="-3448"/>
+                            <a:fillRect l="-256436" t="-610345" r="-990" b="-3448"/>
                           </a:stretch>
                         </a:blipFill>
                       </a:tcPr>
@@ -5721,7 +5666,7 @@
         </p:nvSpPr>
         <p:spPr>
           <a:xfrm>
-            <a:off x="6317398" y="1750605"/>
+            <a:off x="5129733" y="713896"/>
             <a:ext cx="471604" cy="307777"/>
           </a:xfrm>
           <a:prstGeom prst="rect">
@@ -5748,219 +5693,178 @@
           </a:p>
         </p:txBody>
       </p:sp>
+      <mc:AlternateContent xmlns:mc="http://schemas.openxmlformats.org/markup-compatibility/2006">
+        <mc:Choice xmlns:a14="http://schemas.microsoft.com/office/drawing/2010/main" Requires="a14">
+          <p:sp>
+            <p:nvSpPr>
+              <p:cNvPr id="31" name="TextBox 30">
+                <a:extLst>
+                  <a:ext uri="{FF2B5EF4-FFF2-40B4-BE49-F238E27FC236}">
+                    <a16:creationId xmlns:a16="http://schemas.microsoft.com/office/drawing/2014/main" id="{CA0A1A0F-A4CB-2539-D042-78E62D34F234}"/>
+                  </a:ext>
+                </a:extLst>
+              </p:cNvPr>
+              <p:cNvSpPr txBox="1"/>
+              <p:nvPr/>
+            </p:nvSpPr>
+            <p:spPr>
+              <a:xfrm>
+                <a:off x="6686186" y="5562578"/>
+                <a:ext cx="1057277" cy="276999"/>
+              </a:xfrm>
+              <a:prstGeom prst="rect">
+                <a:avLst/>
+              </a:prstGeom>
+              <a:noFill/>
+            </p:spPr>
+            <p:txBody>
+              <a:bodyPr wrap="none" rtlCol="0">
+                <a:spAutoFit/>
+              </a:bodyPr>
+              <a:lstStyle/>
+              <a:p>
+                <a:pPr algn="l"/>
+                <a:r>
+                  <a:rPr lang="en-JP" sz="1200" dirty="0">
+                    <a:cs typeface="Cambria"/>
+                  </a:rPr>
+                  <a:t>量的データ</a:t>
+                </a:r>
+                <a14:m>
+                  <m:oMath xmlns:m="http://schemas.openxmlformats.org/officeDocument/2006/math">
+                    <m:r>
+                      <a:rPr lang="en-US" sz="1200" b="0" i="1" dirty="0" smtClean="0">
+                        <a:latin typeface="Cambria Math" panose="02040503050406030204" pitchFamily="18" charset="0"/>
+                        <a:cs typeface="Cambria"/>
+                      </a:rPr>
+                      <m:t>𝑋</m:t>
+                    </m:r>
+                  </m:oMath>
+                </a14:m>
+                <a:endParaRPr lang="en-JP" sz="1200" dirty="0">
+                  <a:cs typeface="Cambria"/>
+                </a:endParaRPr>
+              </a:p>
+            </p:txBody>
+          </p:sp>
+        </mc:Choice>
+        <mc:Fallback>
+          <p:sp>
+            <p:nvSpPr>
+              <p:cNvPr id="31" name="TextBox 30">
+                <a:extLst>
+                  <a:ext uri="{FF2B5EF4-FFF2-40B4-BE49-F238E27FC236}">
+                    <a16:creationId xmlns:a16="http://schemas.microsoft.com/office/drawing/2014/main" id="{CA0A1A0F-A4CB-2539-D042-78E62D34F234}"/>
+                  </a:ext>
+                </a:extLst>
+              </p:cNvPr>
+              <p:cNvSpPr txBox="1">
+                <a:spLocks noRot="1" noChangeAspect="1" noMove="1" noResize="1" noEditPoints="1" noAdjustHandles="1" noChangeArrowheads="1" noChangeShapeType="1" noTextEdit="1"/>
+              </p:cNvSpPr>
+              <p:nvPr/>
+            </p:nvSpPr>
+            <p:spPr>
+              <a:xfrm>
+                <a:off x="6686186" y="5562578"/>
+                <a:ext cx="1057277" cy="276999"/>
+              </a:xfrm>
+              <a:prstGeom prst="rect">
+                <a:avLst/>
+              </a:prstGeom>
+              <a:blipFill>
+                <a:blip r:embed="rId3"/>
+                <a:stretch>
+                  <a:fillRect t="-4348" b="-13043"/>
+                </a:stretch>
+              </a:blipFill>
+            </p:spPr>
+            <p:txBody>
+              <a:bodyPr/>
+              <a:lstStyle/>
+              <a:p>
+                <a:r>
+                  <a:rPr lang="en-JP">
+                    <a:noFill/>
+                  </a:rPr>
+                  <a:t> </a:t>
+                </a:r>
+              </a:p>
+            </p:txBody>
+          </p:sp>
+        </mc:Fallback>
+      </mc:AlternateContent>
+      <p:sp>
+        <p:nvSpPr>
+          <p:cNvPr id="32" name="TextBox 31">
+            <a:extLst>
+              <a:ext uri="{FF2B5EF4-FFF2-40B4-BE49-F238E27FC236}">
+                <a16:creationId xmlns:a16="http://schemas.microsoft.com/office/drawing/2014/main" id="{EDD45691-1CBC-2E23-2A0D-78237E4682D4}"/>
+              </a:ext>
+            </a:extLst>
+          </p:cNvPr>
+          <p:cNvSpPr txBox="1"/>
+          <p:nvPr/>
+        </p:nvSpPr>
+        <p:spPr>
+          <a:xfrm rot="16200000">
+            <a:off x="5119313" y="4081092"/>
+            <a:ext cx="492443" cy="276999"/>
+          </a:xfrm>
+          <a:prstGeom prst="rect">
+            <a:avLst/>
+          </a:prstGeom>
+          <a:noFill/>
+        </p:spPr>
+        <p:txBody>
+          <a:bodyPr wrap="none" rtlCol="0">
+            <a:spAutoFit/>
+          </a:bodyPr>
+          <a:lstStyle/>
+          <a:p>
+            <a:pPr algn="l"/>
+            <a:r>
+              <a:rPr lang="en-JP" sz="1200" dirty="0">
+                <a:cs typeface="Cambria"/>
+              </a:rPr>
+              <a:t>度数</a:t>
+            </a:r>
+          </a:p>
+        </p:txBody>
+      </p:sp>
+      <p:pic>
+        <p:nvPicPr>
+          <p:cNvPr id="34" name="Picture 33">
+            <a:extLst>
+              <a:ext uri="{FF2B5EF4-FFF2-40B4-BE49-F238E27FC236}">
+                <a16:creationId xmlns:a16="http://schemas.microsoft.com/office/drawing/2014/main" id="{68EA8CAF-477B-BDE7-BA64-991DEF750B37}"/>
+              </a:ext>
+            </a:extLst>
+          </p:cNvPr>
+          <p:cNvPicPr>
+            <a:picLocks noChangeAspect="1"/>
+          </p:cNvPicPr>
+          <p:nvPr/>
+        </p:nvPicPr>
+        <p:blipFill>
+          <a:blip r:embed="rId4"/>
+          <a:stretch>
+            <a:fillRect/>
+          </a:stretch>
+        </p:blipFill>
+        <p:spPr>
+          <a:xfrm>
+            <a:off x="5504034" y="3080153"/>
+            <a:ext cx="3110439" cy="2482425"/>
+          </a:xfrm>
+          <a:prstGeom prst="rect">
+            <a:avLst/>
+          </a:prstGeom>
+        </p:spPr>
+      </p:pic>
     </p:spTree>
     <p:extLst>
       <p:ext uri="{BB962C8B-B14F-4D97-AF65-F5344CB8AC3E}">
         <p14:creationId xmlns:p14="http://schemas.microsoft.com/office/powerpoint/2010/main" val="1106179789"/>
-      </p:ext>
-    </p:extLst>
-  </p:cSld>
-  <p:clrMapOvr>
-    <a:masterClrMapping/>
-  </p:clrMapOvr>
-</p:sld>
-</file>
-
-<file path=ppt/slides/slide4.xml><?xml version="1.0" encoding="utf-8"?>
-<p:sld xmlns:a="http://schemas.openxmlformats.org/drawingml/2006/main" xmlns:r="http://schemas.openxmlformats.org/officeDocument/2006/relationships" xmlns:p="http://schemas.openxmlformats.org/presentationml/2006/main">
-  <p:cSld>
-    <p:spTree>
-      <p:nvGrpSpPr>
-        <p:cNvPr id="1" name=""/>
-        <p:cNvGrpSpPr/>
-        <p:nvPr/>
-      </p:nvGrpSpPr>
-      <p:grpSpPr>
-        <a:xfrm>
-          <a:off x="0" y="0"/>
-          <a:ext cx="0" cy="0"/>
-          <a:chOff x="0" y="0"/>
-          <a:chExt cx="0" cy="0"/>
-        </a:xfrm>
-      </p:grpSpPr>
-      <p:sp>
-        <p:nvSpPr>
-          <p:cNvPr id="3" name="スライド番号プレースホルダー 2">
-            <a:extLst>
-              <a:ext uri="{FF2B5EF4-FFF2-40B4-BE49-F238E27FC236}">
-                <a16:creationId xmlns:a16="http://schemas.microsoft.com/office/drawing/2014/main" id="{64758A1F-17ED-C261-9065-47A672B1BD46}"/>
-              </a:ext>
-            </a:extLst>
-          </p:cNvPr>
-          <p:cNvSpPr>
-            <a:spLocks noGrp="1"/>
-          </p:cNvSpPr>
-          <p:nvPr>
-            <p:ph type="sldNum" sz="quarter" idx="12"/>
-          </p:nvPr>
-        </p:nvSpPr>
-        <p:spPr/>
-        <p:txBody>
-          <a:bodyPr/>
-          <a:lstStyle/>
-          <a:p>
-            <a:fld id="{3CEA307D-3EF5-ED4E-AF1E-33BFD9855C70}" type="slidenum">
-              <a:rPr lang="ja-JP" altLang="en-US" smtClean="0"/>
-              <a:pPr/>
-              <a:t>4</a:t>
-            </a:fld>
-            <a:endParaRPr lang="ja-JP" altLang="en-US"/>
-          </a:p>
-        </p:txBody>
-      </p:sp>
-      <p:cxnSp>
-        <p:nvCxnSpPr>
-          <p:cNvPr id="7" name="直線矢印コネクタ 6">
-            <a:extLst>
-              <a:ext uri="{FF2B5EF4-FFF2-40B4-BE49-F238E27FC236}">
-                <a16:creationId xmlns:a16="http://schemas.microsoft.com/office/drawing/2014/main" id="{F88882A5-CF77-B779-BA1D-2A0856051397}"/>
-              </a:ext>
-            </a:extLst>
-          </p:cNvPr>
-          <p:cNvCxnSpPr/>
-          <p:nvPr/>
-        </p:nvCxnSpPr>
-        <p:spPr>
-          <a:xfrm>
-            <a:off x="3660381" y="2515527"/>
-            <a:ext cx="1828800" cy="1828800"/>
-          </a:xfrm>
-          <a:prstGeom prst="straightConnector1">
-            <a:avLst/>
-          </a:prstGeom>
-          <a:ln w="12700" cmpd="sng">
-            <a:headEnd type="triangle"/>
-            <a:tailEnd type="triangle"/>
-          </a:ln>
-          <a:effectLst>
-            <a:innerShdw blurRad="63500" dist="50800" dir="18900000">
-              <a:prstClr val="black">
-                <a:alpha val="50000"/>
-              </a:prstClr>
-            </a:innerShdw>
-          </a:effectLst>
-        </p:spPr>
-        <p:style>
-          <a:lnRef idx="1">
-            <a:schemeClr val="dk1"/>
-          </a:lnRef>
-          <a:fillRef idx="0">
-            <a:schemeClr val="dk1"/>
-          </a:fillRef>
-          <a:effectRef idx="0">
-            <a:schemeClr val="dk1"/>
-          </a:effectRef>
-          <a:fontRef idx="minor">
-            <a:schemeClr val="tx1"/>
-          </a:fontRef>
-        </p:style>
-      </p:cxnSp>
-      <mc:AlternateContent xmlns:mc="http://schemas.openxmlformats.org/markup-compatibility/2006">
-        <mc:Choice xmlns:p14="http://schemas.microsoft.com/office/powerpoint/2010/main" Requires="p14">
-          <p:contentPart p14:bwMode="auto" r:id="rId2">
-            <p14:nvContentPartPr>
-              <p14:cNvPr id="8" name="インク 7">
-                <a:extLst>
-                  <a:ext uri="{FF2B5EF4-FFF2-40B4-BE49-F238E27FC236}">
-                    <a16:creationId xmlns:a16="http://schemas.microsoft.com/office/drawing/2014/main" id="{FAF04EFB-31D5-535E-2518-47CEB60820AA}"/>
-                  </a:ext>
-                </a:extLst>
-              </p14:cNvPr>
-              <p14:cNvContentPartPr/>
-              <p14:nvPr/>
-            </p14:nvContentPartPr>
-            <p14:xfrm>
-              <a:off x="4080509" y="3642200"/>
-              <a:ext cx="756000" cy="93240"/>
-            </p14:xfrm>
-          </p:contentPart>
-        </mc:Choice>
-        <mc:Fallback>
-          <p:pic>
-            <p:nvPicPr>
-              <p:cNvPr id="8" name="インク 7">
-                <a:extLst>
-                  <a:ext uri="{FF2B5EF4-FFF2-40B4-BE49-F238E27FC236}">
-                    <a16:creationId xmlns:a16="http://schemas.microsoft.com/office/drawing/2014/main" id="{FAF04EFB-31D5-535E-2518-47CEB60820AA}"/>
-                  </a:ext>
-                </a:extLst>
-              </p:cNvPr>
-              <p:cNvPicPr/>
-              <p:nvPr/>
-            </p:nvPicPr>
-            <p:blipFill>
-              <a:blip r:embed="rId3"/>
-              <a:stretch>
-                <a:fillRect/>
-              </a:stretch>
-            </p:blipFill>
-            <p:spPr>
-              <a:xfrm>
-                <a:off x="4065389" y="3626720"/>
-                <a:ext cx="786240" cy="123480"/>
-              </a:xfrm>
-              <a:prstGeom prst="rect">
-                <a:avLst/>
-              </a:prstGeom>
-            </p:spPr>
-          </p:pic>
-        </mc:Fallback>
-      </mc:AlternateContent>
-      <mc:AlternateContent xmlns:mc="http://schemas.openxmlformats.org/markup-compatibility/2006">
-        <mc:Choice xmlns:p14="http://schemas.microsoft.com/office/powerpoint/2010/main" Requires="p14">
-          <p:contentPart p14:bwMode="auto" r:id="rId4">
-            <p14:nvContentPartPr>
-              <p14:cNvPr id="9" name="インク 8">
-                <a:extLst>
-                  <a:ext uri="{FF2B5EF4-FFF2-40B4-BE49-F238E27FC236}">
-                    <a16:creationId xmlns:a16="http://schemas.microsoft.com/office/drawing/2014/main" id="{80903E69-FE48-8B9E-599E-9E12661CCE4F}"/>
-                  </a:ext>
-                </a:extLst>
-              </p14:cNvPr>
-              <p14:cNvContentPartPr/>
-              <p14:nvPr/>
-            </p14:nvContentPartPr>
-            <p14:xfrm>
-              <a:off x="4618349" y="3493880"/>
-              <a:ext cx="46800" cy="19080"/>
-            </p14:xfrm>
-          </p:contentPart>
-        </mc:Choice>
-        <mc:Fallback>
-          <p:pic>
-            <p:nvPicPr>
-              <p:cNvPr id="9" name="インク 8">
-                <a:extLst>
-                  <a:ext uri="{FF2B5EF4-FFF2-40B4-BE49-F238E27FC236}">
-                    <a16:creationId xmlns:a16="http://schemas.microsoft.com/office/drawing/2014/main" id="{80903E69-FE48-8B9E-599E-9E12661CCE4F}"/>
-                  </a:ext>
-                </a:extLst>
-              </p:cNvPr>
-              <p:cNvPicPr/>
-              <p:nvPr/>
-            </p:nvPicPr>
-            <p:blipFill>
-              <a:blip r:embed="rId5"/>
-              <a:stretch>
-                <a:fillRect/>
-              </a:stretch>
-            </p:blipFill>
-            <p:spPr>
-              <a:xfrm>
-                <a:off x="4602869" y="3478400"/>
-                <a:ext cx="77040" cy="49320"/>
-              </a:xfrm>
-              <a:prstGeom prst="rect">
-                <a:avLst/>
-              </a:prstGeom>
-            </p:spPr>
-          </p:pic>
-        </mc:Fallback>
-      </mc:AlternateContent>
-    </p:spTree>
-    <p:extLst>
-      <p:ext uri="{BB962C8B-B14F-4D97-AF65-F5344CB8AC3E}">
-        <p14:creationId xmlns:p14="http://schemas.microsoft.com/office/powerpoint/2010/main" val="4269834403"/>
       </p:ext>
     </p:extLst>
   </p:cSld>

--- a/figure/figure.pptx
+++ b/figure/figure.pptx
@@ -8,6 +8,7 @@
     <p:sldId id="256" r:id="rId2"/>
     <p:sldId id="265" r:id="rId3"/>
     <p:sldId id="276" r:id="rId4"/>
+    <p:sldId id="277" r:id="rId5"/>
   </p:sldIdLst>
   <p:sldSz cx="9144000" cy="6858000" type="screen4x3"/>
   <p:notesSz cx="9144000" cy="6858000"/>
@@ -186,7 +187,7 @@
           <a:p>
             <a:fld id="{7A0C0240-2F64-DE4D-A9E4-1F1EE537196E}" type="datetime1">
               <a:rPr lang="ja-JP" altLang="en-US" smtClean="0"/>
-              <a:t>2022/10/16</a:t>
+              <a:t>2022/12/8</a:t>
             </a:fld>
             <a:endParaRPr lang="ja-JP" altLang="en-US"/>
           </a:p>
@@ -489,7 +490,7 @@
           <a:p>
             <a:fld id="{3378C1F4-3274-5447-828F-8324420DB608}" type="datetime1">
               <a:rPr lang="ja-JP" altLang="en-US" smtClean="0"/>
-              <a:t>2022/10/16</a:t>
+              <a:t>2022/12/8</a:t>
             </a:fld>
             <a:endParaRPr lang="ja-JP" altLang="en-US"/>
           </a:p>
@@ -772,7 +773,7 @@
           <a:p>
             <a:fld id="{4B321678-5483-374B-9F4A-412209BFF39D}" type="datetime1">
               <a:rPr lang="ja-JP" altLang="en-US" smtClean="0"/>
-              <a:t>2022/10/16</a:t>
+              <a:t>2022/12/8</a:t>
             </a:fld>
             <a:endParaRPr lang="ja-JP" altLang="en-US"/>
           </a:p>
@@ -891,7 +892,7 @@
           <a:p>
             <a:fld id="{4B321678-5483-374B-9F4A-412209BFF39D}" type="datetime1">
               <a:rPr lang="ja-JP" altLang="en-US" smtClean="0"/>
-              <a:t>2022/10/16</a:t>
+              <a:t>2022/12/8</a:t>
             </a:fld>
             <a:endParaRPr lang="ja-JP" altLang="en-US"/>
           </a:p>
@@ -3086,8 +3087,8 @@
           </a:p>
         </p:txBody>
       </p:sp>
-      <mc:AlternateContent xmlns:mc="http://schemas.openxmlformats.org/markup-compatibility/2006">
-        <mc:Choice xmlns:a14="http://schemas.microsoft.com/office/drawing/2010/main" Requires="a14">
+      <mc:AlternateContent xmlns:mc="http://schemas.openxmlformats.org/markup-compatibility/2006" xmlns:a14="http://schemas.microsoft.com/office/drawing/2010/main">
+        <mc:Choice Requires="a14">
           <p:graphicFrame>
             <p:nvGraphicFramePr>
               <p:cNvPr id="11" name="Table 11">
@@ -4719,7 +4720,7 @@
             </a:graphic>
           </p:graphicFrame>
         </mc:Choice>
-        <mc:Fallback>
+        <mc:Fallback xmlns="">
           <p:graphicFrame>
             <p:nvGraphicFramePr>
               <p:cNvPr id="11" name="Table 11">
@@ -5693,8 +5694,8 @@
           </a:p>
         </p:txBody>
       </p:sp>
-      <mc:AlternateContent xmlns:mc="http://schemas.openxmlformats.org/markup-compatibility/2006">
-        <mc:Choice xmlns:a14="http://schemas.microsoft.com/office/drawing/2010/main" Requires="a14">
+      <mc:AlternateContent xmlns:mc="http://schemas.openxmlformats.org/markup-compatibility/2006" xmlns:a14="http://schemas.microsoft.com/office/drawing/2010/main">
+        <mc:Choice Requires="a14">
           <p:sp>
             <p:nvSpPr>
               <p:cNvPr id="31" name="TextBox 30">
@@ -5748,7 +5749,7 @@
             </p:txBody>
           </p:sp>
         </mc:Choice>
-        <mc:Fallback>
+        <mc:Fallback xmlns="">
           <p:sp>
             <p:nvSpPr>
               <p:cNvPr id="31" name="TextBox 30">
@@ -5865,6 +5866,978 @@
     <p:extLst>
       <p:ext uri="{BB962C8B-B14F-4D97-AF65-F5344CB8AC3E}">
         <p14:creationId xmlns:p14="http://schemas.microsoft.com/office/powerpoint/2010/main" val="1106179789"/>
+      </p:ext>
+    </p:extLst>
+  </p:cSld>
+  <p:clrMapOvr>
+    <a:masterClrMapping/>
+  </p:clrMapOvr>
+</p:sld>
+</file>
+
+<file path=ppt/slides/slide4.xml><?xml version="1.0" encoding="utf-8"?>
+<p:sld xmlns:a="http://schemas.openxmlformats.org/drawingml/2006/main" xmlns:r="http://schemas.openxmlformats.org/officeDocument/2006/relationships" xmlns:p="http://schemas.openxmlformats.org/presentationml/2006/main">
+  <p:cSld>
+    <p:spTree>
+      <p:nvGrpSpPr>
+        <p:cNvPr id="1" name=""/>
+        <p:cNvGrpSpPr/>
+        <p:nvPr/>
+      </p:nvGrpSpPr>
+      <p:grpSpPr>
+        <a:xfrm>
+          <a:off x="0" y="0"/>
+          <a:ext cx="0" cy="0"/>
+          <a:chOff x="0" y="0"/>
+          <a:chExt cx="0" cy="0"/>
+        </a:xfrm>
+      </p:grpSpPr>
+      <p:sp>
+        <p:nvSpPr>
+          <p:cNvPr id="3" name="Slide Number Placeholder 2">
+            <a:extLst>
+              <a:ext uri="{FF2B5EF4-FFF2-40B4-BE49-F238E27FC236}">
+                <a16:creationId xmlns:a16="http://schemas.microsoft.com/office/drawing/2014/main" id="{78D518F8-0979-E81B-7E13-D4BF8551F7E4}"/>
+              </a:ext>
+            </a:extLst>
+          </p:cNvPr>
+          <p:cNvSpPr>
+            <a:spLocks noGrp="1"/>
+          </p:cNvSpPr>
+          <p:nvPr>
+            <p:ph type="sldNum" sz="quarter" idx="12"/>
+          </p:nvPr>
+        </p:nvSpPr>
+        <p:spPr/>
+        <p:txBody>
+          <a:bodyPr/>
+          <a:lstStyle/>
+          <a:p>
+            <a:fld id="{3CEA307D-3EF5-ED4E-AF1E-33BFD9855C70}" type="slidenum">
+              <a:rPr lang="ja-JP" altLang="en-US" smtClean="0"/>
+              <a:pPr/>
+              <a:t>4</a:t>
+            </a:fld>
+            <a:endParaRPr lang="ja-JP" altLang="en-US"/>
+          </a:p>
+        </p:txBody>
+      </p:sp>
+      <p:cxnSp>
+        <p:nvCxnSpPr>
+          <p:cNvPr id="4" name="Straight Arrow Connector 3">
+            <a:extLst>
+              <a:ext uri="{FF2B5EF4-FFF2-40B4-BE49-F238E27FC236}">
+                <a16:creationId xmlns:a16="http://schemas.microsoft.com/office/drawing/2014/main" id="{4532F3D2-5C3F-72D6-A109-C157B880A189}"/>
+              </a:ext>
+            </a:extLst>
+          </p:cNvPr>
+          <p:cNvCxnSpPr/>
+          <p:nvPr/>
+        </p:nvCxnSpPr>
+        <p:spPr>
+          <a:xfrm>
+            <a:off x="1314226" y="2002930"/>
+            <a:ext cx="5065059" cy="0"/>
+          </a:xfrm>
+          <a:prstGeom prst="straightConnector1">
+            <a:avLst/>
+          </a:prstGeom>
+          <a:ln w="63500" cmpd="sng">
+            <a:headEnd type="none"/>
+            <a:tailEnd type="triangle"/>
+          </a:ln>
+          <a:effectLst>
+            <a:innerShdw blurRad="63500" dist="50800" dir="18900000">
+              <a:prstClr val="black">
+                <a:alpha val="50000"/>
+              </a:prstClr>
+            </a:innerShdw>
+          </a:effectLst>
+        </p:spPr>
+        <p:style>
+          <a:lnRef idx="1">
+            <a:schemeClr val="dk1"/>
+          </a:lnRef>
+          <a:fillRef idx="0">
+            <a:schemeClr val="dk1"/>
+          </a:fillRef>
+          <a:effectRef idx="0">
+            <a:schemeClr val="dk1"/>
+          </a:effectRef>
+          <a:fontRef idx="minor">
+            <a:schemeClr val="tx1"/>
+          </a:fontRef>
+        </p:style>
+      </p:cxnSp>
+      <p:cxnSp>
+        <p:nvCxnSpPr>
+          <p:cNvPr id="5" name="Straight Arrow Connector 4">
+            <a:extLst>
+              <a:ext uri="{FF2B5EF4-FFF2-40B4-BE49-F238E27FC236}">
+                <a16:creationId xmlns:a16="http://schemas.microsoft.com/office/drawing/2014/main" id="{AE15ACD9-D849-87C9-154C-BAF21D247FBC}"/>
+              </a:ext>
+            </a:extLst>
+          </p:cNvPr>
+          <p:cNvCxnSpPr>
+            <a:cxnSpLocks/>
+          </p:cNvCxnSpPr>
+          <p:nvPr/>
+        </p:nvCxnSpPr>
+        <p:spPr>
+          <a:xfrm>
+            <a:off x="3823273" y="1224078"/>
+            <a:ext cx="1092912" cy="177021"/>
+          </a:xfrm>
+          <a:prstGeom prst="straightConnector1">
+            <a:avLst/>
+          </a:prstGeom>
+          <a:ln w="38100" cmpd="sng">
+            <a:headEnd type="none"/>
+            <a:tailEnd type="triangle"/>
+          </a:ln>
+          <a:effectLst>
+            <a:innerShdw blurRad="63500" dist="50800" dir="18900000">
+              <a:prstClr val="black">
+                <a:alpha val="50000"/>
+              </a:prstClr>
+            </a:innerShdw>
+          </a:effectLst>
+        </p:spPr>
+        <p:style>
+          <a:lnRef idx="1">
+            <a:schemeClr val="dk1"/>
+          </a:lnRef>
+          <a:fillRef idx="0">
+            <a:schemeClr val="dk1"/>
+          </a:fillRef>
+          <a:effectRef idx="0">
+            <a:schemeClr val="dk1"/>
+          </a:effectRef>
+          <a:fontRef idx="minor">
+            <a:schemeClr val="tx1"/>
+          </a:fontRef>
+        </p:style>
+      </p:cxnSp>
+      <p:cxnSp>
+        <p:nvCxnSpPr>
+          <p:cNvPr id="6" name="Straight Arrow Connector 5">
+            <a:extLst>
+              <a:ext uri="{FF2B5EF4-FFF2-40B4-BE49-F238E27FC236}">
+                <a16:creationId xmlns:a16="http://schemas.microsoft.com/office/drawing/2014/main" id="{CC5C4F15-5923-AC7A-C0DD-DEF51EA82724}"/>
+              </a:ext>
+            </a:extLst>
+          </p:cNvPr>
+          <p:cNvCxnSpPr>
+            <a:cxnSpLocks/>
+          </p:cNvCxnSpPr>
+          <p:nvPr/>
+        </p:nvCxnSpPr>
+        <p:spPr>
+          <a:xfrm flipH="1">
+            <a:off x="2184400" y="882939"/>
+            <a:ext cx="233680" cy="548640"/>
+          </a:xfrm>
+          <a:prstGeom prst="straightConnector1">
+            <a:avLst/>
+          </a:prstGeom>
+          <a:ln w="50800" cmpd="sng">
+            <a:headEnd type="none"/>
+            <a:tailEnd type="triangle"/>
+          </a:ln>
+          <a:effectLst>
+            <a:innerShdw blurRad="63500" dist="50800" dir="18900000">
+              <a:prstClr val="black">
+                <a:alpha val="50000"/>
+              </a:prstClr>
+            </a:innerShdw>
+          </a:effectLst>
+        </p:spPr>
+        <p:style>
+          <a:lnRef idx="1">
+            <a:schemeClr val="dk1"/>
+          </a:lnRef>
+          <a:fillRef idx="0">
+            <a:schemeClr val="dk1"/>
+          </a:fillRef>
+          <a:effectRef idx="0">
+            <a:schemeClr val="dk1"/>
+          </a:effectRef>
+          <a:fontRef idx="minor">
+            <a:schemeClr val="tx1"/>
+          </a:fontRef>
+        </p:style>
+      </p:cxnSp>
+      <p:cxnSp>
+        <p:nvCxnSpPr>
+          <p:cNvPr id="7" name="Straight Arrow Connector 6">
+            <a:extLst>
+              <a:ext uri="{FF2B5EF4-FFF2-40B4-BE49-F238E27FC236}">
+                <a16:creationId xmlns:a16="http://schemas.microsoft.com/office/drawing/2014/main" id="{8FA5EB30-0E73-6425-131F-1CF12D819191}"/>
+              </a:ext>
+            </a:extLst>
+          </p:cNvPr>
+          <p:cNvCxnSpPr>
+            <a:cxnSpLocks/>
+          </p:cNvCxnSpPr>
+          <p:nvPr/>
+        </p:nvCxnSpPr>
+        <p:spPr>
+          <a:xfrm>
+            <a:off x="1330960" y="1329979"/>
+            <a:ext cx="721360" cy="142240"/>
+          </a:xfrm>
+          <a:prstGeom prst="straightConnector1">
+            <a:avLst/>
+          </a:prstGeom>
+          <a:ln w="12700" cmpd="sng">
+            <a:headEnd type="none"/>
+            <a:tailEnd type="triangle"/>
+          </a:ln>
+          <a:effectLst>
+            <a:innerShdw blurRad="63500" dist="50800" dir="18900000">
+              <a:prstClr val="black">
+                <a:alpha val="50000"/>
+              </a:prstClr>
+            </a:innerShdw>
+          </a:effectLst>
+        </p:spPr>
+        <p:style>
+          <a:lnRef idx="1">
+            <a:schemeClr val="dk1"/>
+          </a:lnRef>
+          <a:fillRef idx="0">
+            <a:schemeClr val="dk1"/>
+          </a:fillRef>
+          <a:effectRef idx="0">
+            <a:schemeClr val="dk1"/>
+          </a:effectRef>
+          <a:fontRef idx="minor">
+            <a:schemeClr val="tx1"/>
+          </a:fontRef>
+        </p:style>
+      </p:cxnSp>
+      <p:sp>
+        <p:nvSpPr>
+          <p:cNvPr id="8" name="TextBox 7">
+            <a:extLst>
+              <a:ext uri="{FF2B5EF4-FFF2-40B4-BE49-F238E27FC236}">
+                <a16:creationId xmlns:a16="http://schemas.microsoft.com/office/drawing/2014/main" id="{188F95E1-7E99-99CE-DB09-2D5CED4574F4}"/>
+              </a:ext>
+            </a:extLst>
+          </p:cNvPr>
+          <p:cNvSpPr txBox="1"/>
+          <p:nvPr/>
+        </p:nvSpPr>
+        <p:spPr>
+          <a:xfrm>
+            <a:off x="629920" y="1086139"/>
+            <a:ext cx="716863" cy="307777"/>
+          </a:xfrm>
+          <a:prstGeom prst="rect">
+            <a:avLst/>
+          </a:prstGeom>
+          <a:noFill/>
+        </p:spPr>
+        <p:txBody>
+          <a:bodyPr wrap="none" rtlCol="0">
+            <a:spAutoFit/>
+          </a:bodyPr>
+          <a:lstStyle/>
+          <a:p>
+            <a:r>
+              <a:rPr lang="en-JP" sz="1400" dirty="0">
+                <a:cs typeface="Cambria"/>
+              </a:rPr>
+              <a:t>☓ 経度</a:t>
+            </a:r>
+          </a:p>
+        </p:txBody>
+      </p:sp>
+      <p:sp>
+        <p:nvSpPr>
+          <p:cNvPr id="9" name="TextBox 8">
+            <a:extLst>
+              <a:ext uri="{FF2B5EF4-FFF2-40B4-BE49-F238E27FC236}">
+                <a16:creationId xmlns:a16="http://schemas.microsoft.com/office/drawing/2014/main" id="{5D221ABB-6C06-9024-4CCD-08ACA4A8F5DE}"/>
+              </a:ext>
+            </a:extLst>
+          </p:cNvPr>
+          <p:cNvSpPr txBox="1"/>
+          <p:nvPr/>
+        </p:nvSpPr>
+        <p:spPr>
+          <a:xfrm>
+            <a:off x="718096" y="267137"/>
+            <a:ext cx="1261884" cy="307777"/>
+          </a:xfrm>
+          <a:prstGeom prst="rect">
+            <a:avLst/>
+          </a:prstGeom>
+          <a:noFill/>
+        </p:spPr>
+        <p:txBody>
+          <a:bodyPr wrap="none" rtlCol="0">
+            <a:spAutoFit/>
+          </a:bodyPr>
+          <a:lstStyle/>
+          <a:p>
+            <a:r>
+              <a:rPr lang="en-JP" sz="1400" dirty="0">
+                <a:cs typeface="Cambria"/>
+              </a:rPr>
+              <a:t>地球上の位置</a:t>
+            </a:r>
+          </a:p>
+        </p:txBody>
+      </p:sp>
+      <p:sp>
+        <p:nvSpPr>
+          <p:cNvPr id="10" name="TextBox 9">
+            <a:extLst>
+              <a:ext uri="{FF2B5EF4-FFF2-40B4-BE49-F238E27FC236}">
+                <a16:creationId xmlns:a16="http://schemas.microsoft.com/office/drawing/2014/main" id="{A62152FB-8631-E717-6003-C8A91A5555A8}"/>
+              </a:ext>
+            </a:extLst>
+          </p:cNvPr>
+          <p:cNvSpPr txBox="1"/>
+          <p:nvPr/>
+        </p:nvSpPr>
+        <p:spPr>
+          <a:xfrm>
+            <a:off x="2131224" y="509723"/>
+            <a:ext cx="768159" cy="307777"/>
+          </a:xfrm>
+          <a:prstGeom prst="rect">
+            <a:avLst/>
+          </a:prstGeom>
+          <a:noFill/>
+        </p:spPr>
+        <p:txBody>
+          <a:bodyPr wrap="none" rtlCol="0">
+            <a:spAutoFit/>
+          </a:bodyPr>
+          <a:lstStyle/>
+          <a:p>
+            <a:r>
+              <a:rPr lang="en-JP" sz="1400" dirty="0">
+                <a:cs typeface="Cambria"/>
+              </a:rPr>
+              <a:t>◎ 緯度</a:t>
+            </a:r>
+          </a:p>
+        </p:txBody>
+      </p:sp>
+      <p:cxnSp>
+        <p:nvCxnSpPr>
+          <p:cNvPr id="11" name="Straight Arrow Connector 10">
+            <a:extLst>
+              <a:ext uri="{FF2B5EF4-FFF2-40B4-BE49-F238E27FC236}">
+                <a16:creationId xmlns:a16="http://schemas.microsoft.com/office/drawing/2014/main" id="{BA3482D3-5D11-C983-33BF-AA266F87B987}"/>
+              </a:ext>
+            </a:extLst>
+          </p:cNvPr>
+          <p:cNvCxnSpPr>
+            <a:cxnSpLocks/>
+          </p:cNvCxnSpPr>
+          <p:nvPr/>
+        </p:nvCxnSpPr>
+        <p:spPr>
+          <a:xfrm flipV="1">
+            <a:off x="2001520" y="2091979"/>
+            <a:ext cx="1544320" cy="1188720"/>
+          </a:xfrm>
+          <a:prstGeom prst="straightConnector1">
+            <a:avLst/>
+          </a:prstGeom>
+          <a:ln w="38100" cmpd="sng">
+            <a:headEnd type="none"/>
+            <a:tailEnd type="triangle"/>
+          </a:ln>
+          <a:effectLst>
+            <a:innerShdw blurRad="63500" dist="50800" dir="18900000">
+              <a:prstClr val="black">
+                <a:alpha val="50000"/>
+              </a:prstClr>
+            </a:innerShdw>
+          </a:effectLst>
+        </p:spPr>
+        <p:style>
+          <a:lnRef idx="1">
+            <a:schemeClr val="dk1"/>
+          </a:lnRef>
+          <a:fillRef idx="0">
+            <a:schemeClr val="dk1"/>
+          </a:fillRef>
+          <a:effectRef idx="0">
+            <a:schemeClr val="dk1"/>
+          </a:effectRef>
+          <a:fontRef idx="minor">
+            <a:schemeClr val="tx1"/>
+          </a:fontRef>
+        </p:style>
+      </p:cxnSp>
+      <p:sp>
+        <p:nvSpPr>
+          <p:cNvPr id="12" name="TextBox 11">
+            <a:extLst>
+              <a:ext uri="{FF2B5EF4-FFF2-40B4-BE49-F238E27FC236}">
+                <a16:creationId xmlns:a16="http://schemas.microsoft.com/office/drawing/2014/main" id="{6D5766D6-EBE8-25CC-0ABC-8A95FCED4239}"/>
+              </a:ext>
+            </a:extLst>
+          </p:cNvPr>
+          <p:cNvSpPr txBox="1"/>
+          <p:nvPr/>
+        </p:nvSpPr>
+        <p:spPr>
+          <a:xfrm>
+            <a:off x="1117600" y="3372139"/>
+            <a:ext cx="1441420" cy="307777"/>
+          </a:xfrm>
+          <a:prstGeom prst="rect">
+            <a:avLst/>
+          </a:prstGeom>
+          <a:noFill/>
+        </p:spPr>
+        <p:txBody>
+          <a:bodyPr wrap="none" rtlCol="0">
+            <a:spAutoFit/>
+          </a:bodyPr>
+          <a:lstStyle/>
+          <a:p>
+            <a:pPr algn="l"/>
+            <a:r>
+              <a:rPr lang="en-JP" sz="1400" dirty="0">
+                <a:cs typeface="Cambria"/>
+              </a:rPr>
+              <a:t>都市の自然環境</a:t>
+            </a:r>
+          </a:p>
+        </p:txBody>
+      </p:sp>
+      <p:cxnSp>
+        <p:nvCxnSpPr>
+          <p:cNvPr id="13" name="Straight Arrow Connector 12">
+            <a:extLst>
+              <a:ext uri="{FF2B5EF4-FFF2-40B4-BE49-F238E27FC236}">
+                <a16:creationId xmlns:a16="http://schemas.microsoft.com/office/drawing/2014/main" id="{A4AB4C93-8037-B22A-EBF1-B3F8F49991EE}"/>
+              </a:ext>
+            </a:extLst>
+          </p:cNvPr>
+          <p:cNvCxnSpPr>
+            <a:cxnSpLocks/>
+          </p:cNvCxnSpPr>
+          <p:nvPr/>
+        </p:nvCxnSpPr>
+        <p:spPr>
+          <a:xfrm flipV="1">
+            <a:off x="2032000" y="2498379"/>
+            <a:ext cx="772160" cy="157376"/>
+          </a:xfrm>
+          <a:prstGeom prst="straightConnector1">
+            <a:avLst/>
+          </a:prstGeom>
+          <a:ln w="12700" cmpd="sng">
+            <a:headEnd type="none"/>
+            <a:tailEnd type="triangle"/>
+          </a:ln>
+          <a:effectLst>
+            <a:innerShdw blurRad="63500" dist="50800" dir="18900000">
+              <a:prstClr val="black">
+                <a:alpha val="50000"/>
+              </a:prstClr>
+            </a:innerShdw>
+          </a:effectLst>
+        </p:spPr>
+        <p:style>
+          <a:lnRef idx="1">
+            <a:schemeClr val="dk1"/>
+          </a:lnRef>
+          <a:fillRef idx="0">
+            <a:schemeClr val="dk1"/>
+          </a:fillRef>
+          <a:effectRef idx="0">
+            <a:schemeClr val="dk1"/>
+          </a:effectRef>
+          <a:fontRef idx="minor">
+            <a:schemeClr val="tx1"/>
+          </a:fontRef>
+        </p:style>
+      </p:cxnSp>
+      <p:sp>
+        <p:nvSpPr>
+          <p:cNvPr id="14" name="TextBox 13">
+            <a:extLst>
+              <a:ext uri="{FF2B5EF4-FFF2-40B4-BE49-F238E27FC236}">
+                <a16:creationId xmlns:a16="http://schemas.microsoft.com/office/drawing/2014/main" id="{9A40D1AD-4AE5-037C-094B-34EE309D2F6E}"/>
+              </a:ext>
+            </a:extLst>
+          </p:cNvPr>
+          <p:cNvSpPr txBox="1"/>
+          <p:nvPr/>
+        </p:nvSpPr>
+        <p:spPr>
+          <a:xfrm>
+            <a:off x="762000" y="2569499"/>
+            <a:ext cx="1306768" cy="307777"/>
+          </a:xfrm>
+          <a:prstGeom prst="rect">
+            <a:avLst/>
+          </a:prstGeom>
+          <a:noFill/>
+        </p:spPr>
+        <p:txBody>
+          <a:bodyPr wrap="none" rtlCol="0">
+            <a:spAutoFit/>
+          </a:bodyPr>
+          <a:lstStyle/>
+          <a:p>
+            <a:pPr algn="l"/>
+            <a:r>
+              <a:rPr lang="en-JP" sz="1400" dirty="0">
+                <a:cs typeface="Cambria"/>
+              </a:rPr>
+              <a:t>△ 海洋性気候</a:t>
+            </a:r>
+          </a:p>
+        </p:txBody>
+      </p:sp>
+      <p:cxnSp>
+        <p:nvCxnSpPr>
+          <p:cNvPr id="15" name="Straight Arrow Connector 14">
+            <a:extLst>
+              <a:ext uri="{FF2B5EF4-FFF2-40B4-BE49-F238E27FC236}">
+                <a16:creationId xmlns:a16="http://schemas.microsoft.com/office/drawing/2014/main" id="{F729F268-AAB6-AEFA-C932-D518496BAAE6}"/>
+              </a:ext>
+            </a:extLst>
+          </p:cNvPr>
+          <p:cNvCxnSpPr>
+            <a:cxnSpLocks/>
+          </p:cNvCxnSpPr>
+          <p:nvPr/>
+        </p:nvCxnSpPr>
+        <p:spPr>
+          <a:xfrm flipV="1">
+            <a:off x="3200400" y="2508539"/>
+            <a:ext cx="0" cy="711200"/>
+          </a:xfrm>
+          <a:prstGeom prst="straightConnector1">
+            <a:avLst/>
+          </a:prstGeom>
+          <a:ln w="50800" cmpd="sng">
+            <a:headEnd type="none"/>
+            <a:tailEnd type="triangle"/>
+          </a:ln>
+          <a:effectLst>
+            <a:innerShdw blurRad="63500" dist="50800" dir="18900000">
+              <a:prstClr val="black">
+                <a:alpha val="50000"/>
+              </a:prstClr>
+            </a:innerShdw>
+          </a:effectLst>
+        </p:spPr>
+        <p:style>
+          <a:lnRef idx="1">
+            <a:schemeClr val="dk1"/>
+          </a:lnRef>
+          <a:fillRef idx="0">
+            <a:schemeClr val="dk1"/>
+          </a:fillRef>
+          <a:effectRef idx="0">
+            <a:schemeClr val="dk1"/>
+          </a:effectRef>
+          <a:fontRef idx="minor">
+            <a:schemeClr val="tx1"/>
+          </a:fontRef>
+        </p:style>
+      </p:cxnSp>
+      <p:sp>
+        <p:nvSpPr>
+          <p:cNvPr id="16" name="TextBox 15">
+            <a:extLst>
+              <a:ext uri="{FF2B5EF4-FFF2-40B4-BE49-F238E27FC236}">
+                <a16:creationId xmlns:a16="http://schemas.microsoft.com/office/drawing/2014/main" id="{021F2D5B-A047-C451-B0D8-EEFB7D5B7A54}"/>
+              </a:ext>
+            </a:extLst>
+          </p:cNvPr>
+          <p:cNvSpPr txBox="1"/>
+          <p:nvPr/>
+        </p:nvSpPr>
+        <p:spPr>
+          <a:xfrm>
+            <a:off x="2865120" y="3240059"/>
+            <a:ext cx="768159" cy="307777"/>
+          </a:xfrm>
+          <a:prstGeom prst="rect">
+            <a:avLst/>
+          </a:prstGeom>
+          <a:noFill/>
+        </p:spPr>
+        <p:txBody>
+          <a:bodyPr wrap="none" rtlCol="0">
+            <a:spAutoFit/>
+          </a:bodyPr>
+          <a:lstStyle/>
+          <a:p>
+            <a:pPr algn="l"/>
+            <a:r>
+              <a:rPr lang="en-JP" sz="1400" dirty="0">
+                <a:cs typeface="Cambria"/>
+              </a:rPr>
+              <a:t>◎ 標高</a:t>
+            </a:r>
+          </a:p>
+        </p:txBody>
+      </p:sp>
+      <p:cxnSp>
+        <p:nvCxnSpPr>
+          <p:cNvPr id="17" name="Straight Arrow Connector 16">
+            <a:extLst>
+              <a:ext uri="{FF2B5EF4-FFF2-40B4-BE49-F238E27FC236}">
+                <a16:creationId xmlns:a16="http://schemas.microsoft.com/office/drawing/2014/main" id="{13D05A42-1C63-1AE5-1F5F-0C8C98EA5239}"/>
+              </a:ext>
+            </a:extLst>
+          </p:cNvPr>
+          <p:cNvCxnSpPr>
+            <a:cxnSpLocks/>
+          </p:cNvCxnSpPr>
+          <p:nvPr/>
+        </p:nvCxnSpPr>
+        <p:spPr>
+          <a:xfrm>
+            <a:off x="4304576" y="688163"/>
+            <a:ext cx="1223218" cy="1291536"/>
+          </a:xfrm>
+          <a:prstGeom prst="straightConnector1">
+            <a:avLst/>
+          </a:prstGeom>
+          <a:ln w="38100" cmpd="sng">
+            <a:headEnd type="none"/>
+            <a:tailEnd type="triangle"/>
+          </a:ln>
+          <a:effectLst>
+            <a:innerShdw blurRad="63500" dist="50800" dir="18900000">
+              <a:prstClr val="black">
+                <a:alpha val="50000"/>
+              </a:prstClr>
+            </a:innerShdw>
+          </a:effectLst>
+        </p:spPr>
+        <p:style>
+          <a:lnRef idx="1">
+            <a:schemeClr val="dk1"/>
+          </a:lnRef>
+          <a:fillRef idx="0">
+            <a:schemeClr val="dk1"/>
+          </a:fillRef>
+          <a:effectRef idx="0">
+            <a:schemeClr val="dk1"/>
+          </a:effectRef>
+          <a:fontRef idx="minor">
+            <a:schemeClr val="tx1"/>
+          </a:fontRef>
+        </p:style>
+      </p:cxnSp>
+      <p:sp>
+        <p:nvSpPr>
+          <p:cNvPr id="18" name="TextBox 17">
+            <a:extLst>
+              <a:ext uri="{FF2B5EF4-FFF2-40B4-BE49-F238E27FC236}">
+                <a16:creationId xmlns:a16="http://schemas.microsoft.com/office/drawing/2014/main" id="{BF978B53-E27E-D5AC-02DD-230161AD8DCB}"/>
+              </a:ext>
+            </a:extLst>
+          </p:cNvPr>
+          <p:cNvSpPr txBox="1"/>
+          <p:nvPr/>
+        </p:nvSpPr>
+        <p:spPr>
+          <a:xfrm>
+            <a:off x="3728892" y="383522"/>
+            <a:ext cx="902811" cy="307777"/>
+          </a:xfrm>
+          <a:prstGeom prst="rect">
+            <a:avLst/>
+          </a:prstGeom>
+          <a:noFill/>
+        </p:spPr>
+        <p:txBody>
+          <a:bodyPr wrap="none" rtlCol="0">
+            <a:spAutoFit/>
+          </a:bodyPr>
+          <a:lstStyle/>
+          <a:p>
+            <a:pPr algn="l"/>
+            <a:r>
+              <a:rPr lang="en-JP" sz="1400" dirty="0">
+                <a:cs typeface="Cambria"/>
+              </a:rPr>
+              <a:t>人間活動</a:t>
+            </a:r>
+          </a:p>
+        </p:txBody>
+      </p:sp>
+      <p:sp>
+        <p:nvSpPr>
+          <p:cNvPr id="19" name="TextBox 18">
+            <a:extLst>
+              <a:ext uri="{FF2B5EF4-FFF2-40B4-BE49-F238E27FC236}">
+                <a16:creationId xmlns:a16="http://schemas.microsoft.com/office/drawing/2014/main" id="{C2D9CA68-3CFD-9A60-1C7F-F79AA59DBA28}"/>
+              </a:ext>
+            </a:extLst>
+          </p:cNvPr>
+          <p:cNvSpPr txBox="1"/>
+          <p:nvPr/>
+        </p:nvSpPr>
+        <p:spPr>
+          <a:xfrm>
+            <a:off x="3159760" y="943309"/>
+            <a:ext cx="1261884" cy="307777"/>
+          </a:xfrm>
+          <a:prstGeom prst="rect">
+            <a:avLst/>
+          </a:prstGeom>
+          <a:noFill/>
+        </p:spPr>
+        <p:txBody>
+          <a:bodyPr wrap="none" rtlCol="0">
+            <a:spAutoFit/>
+          </a:bodyPr>
+          <a:lstStyle/>
+          <a:p>
+            <a:pPr algn="l"/>
+            <a:r>
+              <a:rPr lang="en-JP" sz="1400" dirty="0">
+                <a:cs typeface="Cambria"/>
+              </a:rPr>
+              <a:t>温室効果ガス</a:t>
+            </a:r>
+          </a:p>
+        </p:txBody>
+      </p:sp>
+      <p:cxnSp>
+        <p:nvCxnSpPr>
+          <p:cNvPr id="20" name="Straight Arrow Connector 19">
+            <a:extLst>
+              <a:ext uri="{FF2B5EF4-FFF2-40B4-BE49-F238E27FC236}">
+                <a16:creationId xmlns:a16="http://schemas.microsoft.com/office/drawing/2014/main" id="{64DD2B6B-C005-6A76-6D5C-95CEC1FF6D4F}"/>
+              </a:ext>
+            </a:extLst>
+          </p:cNvPr>
+          <p:cNvCxnSpPr>
+            <a:cxnSpLocks/>
+          </p:cNvCxnSpPr>
+          <p:nvPr/>
+        </p:nvCxnSpPr>
+        <p:spPr>
+          <a:xfrm>
+            <a:off x="1398687" y="668882"/>
+            <a:ext cx="1223218" cy="1291536"/>
+          </a:xfrm>
+          <a:prstGeom prst="straightConnector1">
+            <a:avLst/>
+          </a:prstGeom>
+          <a:ln w="38100" cmpd="sng">
+            <a:headEnd type="none"/>
+            <a:tailEnd type="triangle"/>
+          </a:ln>
+          <a:effectLst>
+            <a:innerShdw blurRad="63500" dist="50800" dir="18900000">
+              <a:prstClr val="black">
+                <a:alpha val="50000"/>
+              </a:prstClr>
+            </a:innerShdw>
+          </a:effectLst>
+        </p:spPr>
+        <p:style>
+          <a:lnRef idx="1">
+            <a:schemeClr val="dk1"/>
+          </a:lnRef>
+          <a:fillRef idx="0">
+            <a:schemeClr val="dk1"/>
+          </a:fillRef>
+          <a:effectRef idx="0">
+            <a:schemeClr val="dk1"/>
+          </a:effectRef>
+          <a:fontRef idx="minor">
+            <a:schemeClr val="tx1"/>
+          </a:fontRef>
+        </p:style>
+      </p:cxnSp>
+      <p:cxnSp>
+        <p:nvCxnSpPr>
+          <p:cNvPr id="21" name="Straight Arrow Connector 20">
+            <a:extLst>
+              <a:ext uri="{FF2B5EF4-FFF2-40B4-BE49-F238E27FC236}">
+                <a16:creationId xmlns:a16="http://schemas.microsoft.com/office/drawing/2014/main" id="{E51BE5B1-D133-A0D1-2200-B3ED383A6741}"/>
+              </a:ext>
+            </a:extLst>
+          </p:cNvPr>
+          <p:cNvCxnSpPr>
+            <a:cxnSpLocks/>
+          </p:cNvCxnSpPr>
+          <p:nvPr/>
+        </p:nvCxnSpPr>
+        <p:spPr>
+          <a:xfrm flipH="1">
+            <a:off x="5113006" y="882939"/>
+            <a:ext cx="284482" cy="589280"/>
+          </a:xfrm>
+          <a:prstGeom prst="straightConnector1">
+            <a:avLst/>
+          </a:prstGeom>
+          <a:ln w="38100" cmpd="sng">
+            <a:headEnd type="none"/>
+            <a:tailEnd type="triangle"/>
+          </a:ln>
+          <a:effectLst>
+            <a:innerShdw blurRad="63500" dist="50800" dir="18900000">
+              <a:prstClr val="black">
+                <a:alpha val="50000"/>
+              </a:prstClr>
+            </a:innerShdw>
+          </a:effectLst>
+        </p:spPr>
+        <p:style>
+          <a:lnRef idx="1">
+            <a:schemeClr val="dk1"/>
+          </a:lnRef>
+          <a:fillRef idx="0">
+            <a:schemeClr val="dk1"/>
+          </a:fillRef>
+          <a:effectRef idx="0">
+            <a:schemeClr val="dk1"/>
+          </a:effectRef>
+          <a:fontRef idx="minor">
+            <a:schemeClr val="tx1"/>
+          </a:fontRef>
+        </p:style>
+      </p:cxnSp>
+      <p:sp>
+        <p:nvSpPr>
+          <p:cNvPr id="22" name="TextBox 21">
+            <a:extLst>
+              <a:ext uri="{FF2B5EF4-FFF2-40B4-BE49-F238E27FC236}">
+                <a16:creationId xmlns:a16="http://schemas.microsoft.com/office/drawing/2014/main" id="{8A47F603-6D4C-FA51-A457-AB57291A83EA}"/>
+              </a:ext>
+            </a:extLst>
+          </p:cNvPr>
+          <p:cNvSpPr txBox="1"/>
+          <p:nvPr/>
+        </p:nvSpPr>
+        <p:spPr>
+          <a:xfrm>
+            <a:off x="4847908" y="640002"/>
+            <a:ext cx="1980029" cy="307777"/>
+          </a:xfrm>
+          <a:prstGeom prst="rect">
+            <a:avLst/>
+          </a:prstGeom>
+          <a:noFill/>
+        </p:spPr>
+        <p:txBody>
+          <a:bodyPr wrap="none" rtlCol="0">
+            <a:spAutoFit/>
+          </a:bodyPr>
+          <a:lstStyle/>
+          <a:p>
+            <a:pPr algn="l"/>
+            <a:r>
+              <a:rPr lang="en-JP" sz="1400" dirty="0">
+                <a:cs typeface="Cambria"/>
+              </a:rPr>
+              <a:t>ヒートアイランド現象</a:t>
+            </a:r>
+          </a:p>
+        </p:txBody>
+      </p:sp>
+      <p:sp>
+        <p:nvSpPr>
+          <p:cNvPr id="23" name="TextBox 22">
+            <a:extLst>
+              <a:ext uri="{FF2B5EF4-FFF2-40B4-BE49-F238E27FC236}">
+                <a16:creationId xmlns:a16="http://schemas.microsoft.com/office/drawing/2014/main" id="{A24D10D8-F1AB-63F0-69FD-EA0EFC272AA8}"/>
+              </a:ext>
+            </a:extLst>
+          </p:cNvPr>
+          <p:cNvSpPr txBox="1"/>
+          <p:nvPr/>
+        </p:nvSpPr>
+        <p:spPr>
+          <a:xfrm>
+            <a:off x="6493460" y="1849041"/>
+            <a:ext cx="1800493" cy="307777"/>
+          </a:xfrm>
+          <a:prstGeom prst="rect">
+            <a:avLst/>
+          </a:prstGeom>
+          <a:noFill/>
+        </p:spPr>
+        <p:txBody>
+          <a:bodyPr wrap="none" rtlCol="0">
+            <a:spAutoFit/>
+          </a:bodyPr>
+          <a:lstStyle/>
+          <a:p>
+            <a:pPr algn="l"/>
+            <a:r>
+              <a:rPr lang="en-JP" sz="1400" dirty="0">
+                <a:cs typeface="Cambria"/>
+              </a:rPr>
+              <a:t>都市の年間平均気温</a:t>
+            </a:r>
+          </a:p>
+        </p:txBody>
+      </p:sp>
+      <p:sp>
+        <p:nvSpPr>
+          <p:cNvPr id="24" name="Rectangle 23">
+            <a:extLst>
+              <a:ext uri="{FF2B5EF4-FFF2-40B4-BE49-F238E27FC236}">
+                <a16:creationId xmlns:a16="http://schemas.microsoft.com/office/drawing/2014/main" id="{7FF3E03B-128F-852F-A038-881D537EBE8D}"/>
+              </a:ext>
+            </a:extLst>
+          </p:cNvPr>
+          <p:cNvSpPr/>
+          <p:nvPr/>
+        </p:nvSpPr>
+        <p:spPr>
+          <a:xfrm>
+            <a:off x="629920" y="152400"/>
+            <a:ext cx="7762240" cy="3627120"/>
+          </a:xfrm>
+          <a:prstGeom prst="rect">
+            <a:avLst/>
+          </a:prstGeom>
+          <a:ln w="25400" cmpd="sng">
+            <a:tailEnd type="none"/>
+          </a:ln>
+        </p:spPr>
+        <p:style>
+          <a:lnRef idx="1">
+            <a:schemeClr val="dk1"/>
+          </a:lnRef>
+          <a:fillRef idx="0">
+            <a:schemeClr val="dk1"/>
+          </a:fillRef>
+          <a:effectRef idx="0">
+            <a:schemeClr val="dk1"/>
+          </a:effectRef>
+          <a:fontRef idx="minor">
+            <a:schemeClr val="tx1"/>
+          </a:fontRef>
+        </p:style>
+        <p:txBody>
+          <a:bodyPr rtlCol="0" anchor="ctr"/>
+          <a:lstStyle/>
+          <a:p>
+            <a:pPr algn="ctr"/>
+            <a:endParaRPr kumimoji="1" lang="en-JP"/>
+          </a:p>
+        </p:txBody>
+      </p:sp>
+    </p:spTree>
+    <p:extLst>
+      <p:ext uri="{BB962C8B-B14F-4D97-AF65-F5344CB8AC3E}">
+        <p14:creationId xmlns:p14="http://schemas.microsoft.com/office/powerpoint/2010/main" val="2444997141"/>
       </p:ext>
     </p:extLst>
   </p:cSld>
